--- a/Jasper Files/Presentations/2023 November presentation.pptx
+++ b/Jasper Files/Presentations/2023 November presentation.pptx
@@ -222,7 +222,7 @@
           <a:p>
             <a:fld id="{8F591CCF-F6FD-734B-854A-5BC033593B1E}" type="datetimeFigureOut">
               <a:rPr lang="nl-NL" smtClean="0"/>
-              <a:t>10-12-2023</a:t>
+              <a:t>11-12-2023</a:t>
             </a:fld>
             <a:endParaRPr lang="nl-NL"/>
           </a:p>
@@ -387,7 +387,7 @@
           <a:p>
             <a:fld id="{23C66214-DB21-4647-B5DA-0D17CA592867}" type="datetimeFigureOut">
               <a:rPr lang="nl-NL" smtClean="0"/>
-              <a:t>10-12-2023</a:t>
+              <a:t>11-12-2023</a:t>
             </a:fld>
             <a:endParaRPr lang="nl-NL"/>
           </a:p>
@@ -2282,7 +2282,7 @@
           <a:p>
             <a:fld id="{E4F61F44-893E-4F7F-BADF-A5F524D73BC2}" type="datetime1">
               <a:rPr lang="nl-BE" smtClean="0"/>
-              <a:t>10/12/2023</a:t>
+              <a:t>11/12/2023</a:t>
             </a:fld>
             <a:endParaRPr lang="nl-NL"/>
           </a:p>
@@ -2566,7 +2566,7 @@
           <a:p>
             <a:fld id="{6E723544-E738-4425-87D5-331AB5332869}" type="datetime1">
               <a:rPr lang="nl-BE" smtClean="0"/>
-              <a:t>10/12/2023</a:t>
+              <a:t>11/12/2023</a:t>
             </a:fld>
             <a:endParaRPr lang="nl-NL"/>
           </a:p>
@@ -2897,7 +2897,7 @@
           <a:p>
             <a:fld id="{434BF39D-E7F8-4E42-8744-FB2C72A81DA6}" type="datetime1">
               <a:rPr lang="nl-BE" smtClean="0"/>
-              <a:t>10/12/2023</a:t>
+              <a:t>11/12/2023</a:t>
             </a:fld>
             <a:endParaRPr lang="nl-NL"/>
           </a:p>
@@ -3218,7 +3218,7 @@
           <a:p>
             <a:fld id="{BD4500A5-46FC-4EC5-8F2C-C380D4E5A268}" type="datetime1">
               <a:rPr lang="nl-BE" smtClean="0"/>
-              <a:t>10/12/2023</a:t>
+              <a:t>11/12/2023</a:t>
             </a:fld>
             <a:endParaRPr lang="nl-NL" dirty="0"/>
           </a:p>
@@ -3540,7 +3540,7 @@
           <a:p>
             <a:fld id="{14CE7F8C-B9D2-4149-87B2-80953F7F09E1}" type="datetime1">
               <a:rPr lang="nl-BE" smtClean="0"/>
-              <a:t>10/12/2023</a:t>
+              <a:t>11/12/2023</a:t>
             </a:fld>
             <a:endParaRPr lang="nl-NL" dirty="0"/>
           </a:p>
@@ -3683,7 +3683,7 @@
           <a:p>
             <a:fld id="{67ADE489-251F-4688-A491-3F7A0B06554F}" type="datetime1">
               <a:rPr lang="nl-BE" smtClean="0"/>
-              <a:t>10/12/2023</a:t>
+              <a:t>11/12/2023</a:t>
             </a:fld>
             <a:endParaRPr lang="nl-NL"/>
           </a:p>
@@ -4168,7 +4168,7 @@
           <a:p>
             <a:fld id="{ACBB421E-243D-4C33-83C7-F4F36278532E}" type="datetime1">
               <a:rPr lang="nl-BE" smtClean="0"/>
-              <a:t>10/12/2023</a:t>
+              <a:t>11/12/2023</a:t>
             </a:fld>
             <a:endParaRPr lang="nl-NL" dirty="0"/>
           </a:p>
@@ -4290,7 +4290,7 @@
           <a:p>
             <a:fld id="{4CCC814D-44AA-4A84-A762-33A2C2E8474C}" type="datetime1">
               <a:rPr lang="nl-BE" smtClean="0"/>
-              <a:t>10/12/2023</a:t>
+              <a:t>11/12/2023</a:t>
             </a:fld>
             <a:endParaRPr lang="nl-NL"/>
           </a:p>
@@ -4412,7 +4412,7 @@
           <a:p>
             <a:fld id="{6E543FF9-E807-4251-94B8-EC6F45F70271}" type="datetime1">
               <a:rPr lang="nl-BE" smtClean="0"/>
-              <a:t>10/12/2023</a:t>
+              <a:t>11/12/2023</a:t>
             </a:fld>
             <a:endParaRPr lang="nl-NL"/>
           </a:p>
@@ -4595,7 +4595,7 @@
           <a:p>
             <a:fld id="{F89D940D-F13E-46A3-8182-03C3BDDE959F}" type="datetime1">
               <a:rPr lang="nl-BE" smtClean="0"/>
-              <a:t>10/12/2023</a:t>
+              <a:t>11/12/2023</a:t>
             </a:fld>
             <a:endParaRPr lang="nl-NL" dirty="0"/>
           </a:p>
@@ -4880,7 +4880,7 @@
           <a:p>
             <a:fld id="{E7557D33-DAFF-4435-8960-E822FF6727AE}" type="datetime1">
               <a:rPr lang="nl-BE" smtClean="0"/>
-              <a:t>10/12/2023</a:t>
+              <a:t>11/12/2023</a:t>
             </a:fld>
             <a:endParaRPr lang="nl-NL" dirty="0"/>
           </a:p>
@@ -5521,7 +5521,7 @@
           <a:p>
             <a:fld id="{B522B1A5-B970-4E51-AB3E-5CE4834A67CB}" type="datetime1">
               <a:rPr lang="nl-BE" smtClean="0"/>
-              <a:t>10/12/2023</a:t>
+              <a:t>11/12/2023</a:t>
             </a:fld>
             <a:endParaRPr lang="nl-NL" dirty="0"/>
           </a:p>
@@ -7579,6 +7579,66 @@
           <a:xfrm>
             <a:off x="899999" y="3497867"/>
             <a:ext cx="7817277" cy="3315701"/>
+          </a:xfrm>
+          <a:prstGeom prst="rect">
+            <a:avLst/>
+          </a:prstGeom>
+        </p:spPr>
+      </p:pic>
+      <p:pic>
+        <p:nvPicPr>
+          <p:cNvPr id="5" name="Picture 4">
+            <a:extLst>
+              <a:ext uri="{FF2B5EF4-FFF2-40B4-BE49-F238E27FC236}">
+                <a16:creationId xmlns:a16="http://schemas.microsoft.com/office/drawing/2014/main" id="{04394A11-F6B8-3011-C51A-5179501F20D2}"/>
+              </a:ext>
+            </a:extLst>
+          </p:cNvPr>
+          <p:cNvPicPr>
+            <a:picLocks noChangeAspect="1"/>
+          </p:cNvPicPr>
+          <p:nvPr/>
+        </p:nvPicPr>
+        <p:blipFill>
+          <a:blip r:embed="rId6"/>
+          <a:stretch>
+            <a:fillRect/>
+          </a:stretch>
+        </p:blipFill>
+        <p:spPr>
+          <a:xfrm>
+            <a:off x="3950208" y="96677"/>
+            <a:ext cx="8241792" cy="3492879"/>
+          </a:xfrm>
+          <a:prstGeom prst="rect">
+            <a:avLst/>
+          </a:prstGeom>
+        </p:spPr>
+      </p:pic>
+      <p:pic>
+        <p:nvPicPr>
+          <p:cNvPr id="8" name="Picture 7">
+            <a:extLst>
+              <a:ext uri="{FF2B5EF4-FFF2-40B4-BE49-F238E27FC236}">
+                <a16:creationId xmlns:a16="http://schemas.microsoft.com/office/drawing/2014/main" id="{58966DA2-0A82-B18F-D3E8-E600BD20FFD8}"/>
+              </a:ext>
+            </a:extLst>
+          </p:cNvPr>
+          <p:cNvPicPr>
+            <a:picLocks noChangeAspect="1"/>
+          </p:cNvPicPr>
+          <p:nvPr/>
+        </p:nvPicPr>
+        <p:blipFill>
+          <a:blip r:embed="rId7"/>
+          <a:stretch>
+            <a:fillRect/>
+          </a:stretch>
+        </p:blipFill>
+        <p:spPr>
+          <a:xfrm>
+            <a:off x="899999" y="3461297"/>
+            <a:ext cx="7914817" cy="3352271"/>
           </a:xfrm>
           <a:prstGeom prst="rect">
             <a:avLst/>

--- a/Jasper Files/Presentations/2023 November presentation.pptx
+++ b/Jasper Files/Presentations/2023 November presentation.pptx
@@ -7457,20 +7457,16 @@
             <a:br>
               <a:rPr lang="en-GB" dirty="0"/>
             </a:br>
-            <a:r>
-              <a:rPr lang="en-GB" dirty="0"/>
-              <a:t>TODO</a:t>
-            </a:r>
             <a:endParaRPr lang="nl-BE" dirty="0"/>
           </a:p>
         </p:txBody>
       </p:sp>
       <p:pic>
         <p:nvPicPr>
-          <p:cNvPr id="12" name="Picture 11">
+          <p:cNvPr id="9" name="Picture 8">
             <a:extLst>
               <a:ext uri="{FF2B5EF4-FFF2-40B4-BE49-F238E27FC236}">
-                <a16:creationId xmlns:a16="http://schemas.microsoft.com/office/drawing/2014/main" id="{C2087F45-4B80-E987-F486-30DFBEAF9562}"/>
+                <a16:creationId xmlns:a16="http://schemas.microsoft.com/office/drawing/2014/main" id="{CE33A861-3D41-D8FD-6E5E-84DD81583360}"/>
               </a:ext>
             </a:extLst>
           </p:cNvPr>
@@ -7487,8 +7483,8 @@
         </p:blipFill>
         <p:spPr>
           <a:xfrm>
-            <a:off x="4197787" y="193275"/>
-            <a:ext cx="7828474" cy="3299684"/>
+            <a:off x="3874533" y="0"/>
+            <a:ext cx="8317467" cy="3497345"/>
           </a:xfrm>
           <a:prstGeom prst="rect">
             <a:avLst/>
@@ -7497,10 +7493,10 @@
       </p:pic>
       <p:pic>
         <p:nvPicPr>
-          <p:cNvPr id="14" name="Picture 13">
+          <p:cNvPr id="11" name="Picture 10">
             <a:extLst>
               <a:ext uri="{FF2B5EF4-FFF2-40B4-BE49-F238E27FC236}">
-                <a16:creationId xmlns:a16="http://schemas.microsoft.com/office/drawing/2014/main" id="{F7FBE371-85E1-42FA-561C-928BCCAE737B}"/>
+                <a16:creationId xmlns:a16="http://schemas.microsoft.com/office/drawing/2014/main" id="{46E271F8-84AF-17A3-C145-DDB34DBDC0B7}"/>
               </a:ext>
             </a:extLst>
           </p:cNvPr>
@@ -7517,128 +7513,8 @@
         </p:blipFill>
         <p:spPr>
           <a:xfrm>
-            <a:off x="899999" y="3492959"/>
-            <a:ext cx="7817277" cy="3299684"/>
-          </a:xfrm>
-          <a:prstGeom prst="rect">
-            <a:avLst/>
-          </a:prstGeom>
-        </p:spPr>
-      </p:pic>
-      <p:pic>
-        <p:nvPicPr>
-          <p:cNvPr id="20" name="Picture 19">
-            <a:extLst>
-              <a:ext uri="{FF2B5EF4-FFF2-40B4-BE49-F238E27FC236}">
-                <a16:creationId xmlns:a16="http://schemas.microsoft.com/office/drawing/2014/main" id="{9ABDEA58-8AC3-A8F7-FF9E-CDB2F83C0059}"/>
-              </a:ext>
-            </a:extLst>
-          </p:cNvPr>
-          <p:cNvPicPr>
-            <a:picLocks noChangeAspect="1"/>
-          </p:cNvPicPr>
-          <p:nvPr/>
-        </p:nvPicPr>
-        <p:blipFill>
-          <a:blip r:embed="rId4"/>
-          <a:stretch>
-            <a:fillRect/>
-          </a:stretch>
-        </p:blipFill>
-        <p:spPr>
-          <a:xfrm>
-            <a:off x="4208983" y="193275"/>
-            <a:ext cx="7817277" cy="3317715"/>
-          </a:xfrm>
-          <a:prstGeom prst="rect">
-            <a:avLst/>
-          </a:prstGeom>
-        </p:spPr>
-      </p:pic>
-      <p:pic>
-        <p:nvPicPr>
-          <p:cNvPr id="22" name="Picture 21">
-            <a:extLst>
-              <a:ext uri="{FF2B5EF4-FFF2-40B4-BE49-F238E27FC236}">
-                <a16:creationId xmlns:a16="http://schemas.microsoft.com/office/drawing/2014/main" id="{46397550-104B-2758-42A7-A53C6FD229DD}"/>
-              </a:ext>
-            </a:extLst>
-          </p:cNvPr>
-          <p:cNvPicPr>
-            <a:picLocks noChangeAspect="1"/>
-          </p:cNvPicPr>
-          <p:nvPr/>
-        </p:nvPicPr>
-        <p:blipFill>
-          <a:blip r:embed="rId5"/>
-          <a:stretch>
-            <a:fillRect/>
-          </a:stretch>
-        </p:blipFill>
-        <p:spPr>
-          <a:xfrm>
-            <a:off x="899999" y="3497867"/>
-            <a:ext cx="7817277" cy="3315701"/>
-          </a:xfrm>
-          <a:prstGeom prst="rect">
-            <a:avLst/>
-          </a:prstGeom>
-        </p:spPr>
-      </p:pic>
-      <p:pic>
-        <p:nvPicPr>
-          <p:cNvPr id="5" name="Picture 4">
-            <a:extLst>
-              <a:ext uri="{FF2B5EF4-FFF2-40B4-BE49-F238E27FC236}">
-                <a16:creationId xmlns:a16="http://schemas.microsoft.com/office/drawing/2014/main" id="{04394A11-F6B8-3011-C51A-5179501F20D2}"/>
-              </a:ext>
-            </a:extLst>
-          </p:cNvPr>
-          <p:cNvPicPr>
-            <a:picLocks noChangeAspect="1"/>
-          </p:cNvPicPr>
-          <p:nvPr/>
-        </p:nvPicPr>
-        <p:blipFill>
-          <a:blip r:embed="rId6"/>
-          <a:stretch>
-            <a:fillRect/>
-          </a:stretch>
-        </p:blipFill>
-        <p:spPr>
-          <a:xfrm>
-            <a:off x="3950208" y="96677"/>
-            <a:ext cx="8241792" cy="3492879"/>
-          </a:xfrm>
-          <a:prstGeom prst="rect">
-            <a:avLst/>
-          </a:prstGeom>
-        </p:spPr>
-      </p:pic>
-      <p:pic>
-        <p:nvPicPr>
-          <p:cNvPr id="8" name="Picture 7">
-            <a:extLst>
-              <a:ext uri="{FF2B5EF4-FFF2-40B4-BE49-F238E27FC236}">
-                <a16:creationId xmlns:a16="http://schemas.microsoft.com/office/drawing/2014/main" id="{58966DA2-0A82-B18F-D3E8-E600BD20FFD8}"/>
-              </a:ext>
-            </a:extLst>
-          </p:cNvPr>
-          <p:cNvPicPr>
-            <a:picLocks noChangeAspect="1"/>
-          </p:cNvPicPr>
-          <p:nvPr/>
-        </p:nvPicPr>
-        <p:blipFill>
-          <a:blip r:embed="rId7"/>
-          <a:stretch>
-            <a:fillRect/>
-          </a:stretch>
-        </p:blipFill>
-        <p:spPr>
-          <a:xfrm>
-            <a:off x="899999" y="3461297"/>
-            <a:ext cx="7914817" cy="3352271"/>
+            <a:off x="0" y="3497346"/>
+            <a:ext cx="7985760" cy="3360653"/>
           </a:xfrm>
           <a:prstGeom prst="rect">
             <a:avLst/>
@@ -7769,10 +7645,10 @@
       </p:sp>
       <p:pic>
         <p:nvPicPr>
-          <p:cNvPr id="12" name="Picture 11">
+          <p:cNvPr id="5" name="Picture 4">
             <a:extLst>
               <a:ext uri="{FF2B5EF4-FFF2-40B4-BE49-F238E27FC236}">
-                <a16:creationId xmlns:a16="http://schemas.microsoft.com/office/drawing/2014/main" id="{C2087F45-4B80-E987-F486-30DFBEAF9562}"/>
+                <a16:creationId xmlns:a16="http://schemas.microsoft.com/office/drawing/2014/main" id="{2376A12F-E47C-D2B8-D99F-0CEBDAD5072D}"/>
               </a:ext>
             </a:extLst>
           </p:cNvPr>
@@ -7789,8 +7665,8 @@
         </p:blipFill>
         <p:spPr>
           <a:xfrm>
-            <a:off x="4197787" y="193275"/>
-            <a:ext cx="7828474" cy="3299684"/>
+            <a:off x="3984354" y="1"/>
+            <a:ext cx="8207646" cy="3451168"/>
           </a:xfrm>
           <a:prstGeom prst="rect">
             <a:avLst/>
@@ -7799,10 +7675,10 @@
       </p:pic>
       <p:pic>
         <p:nvPicPr>
-          <p:cNvPr id="14" name="Picture 13">
+          <p:cNvPr id="8" name="Picture 7">
             <a:extLst>
               <a:ext uri="{FF2B5EF4-FFF2-40B4-BE49-F238E27FC236}">
-                <a16:creationId xmlns:a16="http://schemas.microsoft.com/office/drawing/2014/main" id="{F7FBE371-85E1-42FA-561C-928BCCAE737B}"/>
+                <a16:creationId xmlns:a16="http://schemas.microsoft.com/office/drawing/2014/main" id="{D81A944C-8C8B-3212-95CA-7BBC15D62649}"/>
               </a:ext>
             </a:extLst>
           </p:cNvPr>
@@ -7819,68 +7695,8 @@
         </p:blipFill>
         <p:spPr>
           <a:xfrm>
-            <a:off x="899999" y="3492959"/>
-            <a:ext cx="7817277" cy="3299684"/>
-          </a:xfrm>
-          <a:prstGeom prst="rect">
-            <a:avLst/>
-          </a:prstGeom>
-        </p:spPr>
-      </p:pic>
-      <p:pic>
-        <p:nvPicPr>
-          <p:cNvPr id="20" name="Picture 19">
-            <a:extLst>
-              <a:ext uri="{FF2B5EF4-FFF2-40B4-BE49-F238E27FC236}">
-                <a16:creationId xmlns:a16="http://schemas.microsoft.com/office/drawing/2014/main" id="{9ABDEA58-8AC3-A8F7-FF9E-CDB2F83C0059}"/>
-              </a:ext>
-            </a:extLst>
-          </p:cNvPr>
-          <p:cNvPicPr>
-            <a:picLocks noChangeAspect="1"/>
-          </p:cNvPicPr>
-          <p:nvPr/>
-        </p:nvPicPr>
-        <p:blipFill>
-          <a:blip r:embed="rId4"/>
-          <a:stretch>
-            <a:fillRect/>
-          </a:stretch>
-        </p:blipFill>
-        <p:spPr>
-          <a:xfrm>
-            <a:off x="4208983" y="193275"/>
-            <a:ext cx="7817277" cy="3317715"/>
-          </a:xfrm>
-          <a:prstGeom prst="rect">
-            <a:avLst/>
-          </a:prstGeom>
-        </p:spPr>
-      </p:pic>
-      <p:pic>
-        <p:nvPicPr>
-          <p:cNvPr id="22" name="Picture 21">
-            <a:extLst>
-              <a:ext uri="{FF2B5EF4-FFF2-40B4-BE49-F238E27FC236}">
-                <a16:creationId xmlns:a16="http://schemas.microsoft.com/office/drawing/2014/main" id="{46397550-104B-2758-42A7-A53C6FD229DD}"/>
-              </a:ext>
-            </a:extLst>
-          </p:cNvPr>
-          <p:cNvPicPr>
-            <a:picLocks noChangeAspect="1"/>
-          </p:cNvPicPr>
-          <p:nvPr/>
-        </p:nvPicPr>
-        <p:blipFill>
-          <a:blip r:embed="rId5"/>
-          <a:stretch>
-            <a:fillRect/>
-          </a:stretch>
-        </p:blipFill>
-        <p:spPr>
-          <a:xfrm>
-            <a:off x="899999" y="3497867"/>
-            <a:ext cx="7817277" cy="3315701"/>
+            <a:off x="0" y="3451169"/>
+            <a:ext cx="8095488" cy="3406830"/>
           </a:xfrm>
           <a:prstGeom prst="rect">
             <a:avLst/>
@@ -8011,10 +7827,10 @@
       </p:sp>
       <p:pic>
         <p:nvPicPr>
-          <p:cNvPr id="12" name="Picture 11">
+          <p:cNvPr id="5" name="Picture 4">
             <a:extLst>
               <a:ext uri="{FF2B5EF4-FFF2-40B4-BE49-F238E27FC236}">
-                <a16:creationId xmlns:a16="http://schemas.microsoft.com/office/drawing/2014/main" id="{C2087F45-4B80-E987-F486-30DFBEAF9562}"/>
+                <a16:creationId xmlns:a16="http://schemas.microsoft.com/office/drawing/2014/main" id="{7FC1C04F-9D7C-C416-C20A-E7832583FEF2}"/>
               </a:ext>
             </a:extLst>
           </p:cNvPr>
@@ -8031,8 +7847,8 @@
         </p:blipFill>
         <p:spPr>
           <a:xfrm>
-            <a:off x="4197787" y="193275"/>
-            <a:ext cx="7828474" cy="3299684"/>
+            <a:off x="3785626" y="1"/>
+            <a:ext cx="8406374" cy="3537661"/>
           </a:xfrm>
           <a:prstGeom prst="rect">
             <a:avLst/>
@@ -8041,10 +7857,10 @@
       </p:pic>
       <p:pic>
         <p:nvPicPr>
-          <p:cNvPr id="14" name="Picture 13">
+          <p:cNvPr id="8" name="Picture 7">
             <a:extLst>
               <a:ext uri="{FF2B5EF4-FFF2-40B4-BE49-F238E27FC236}">
-                <a16:creationId xmlns:a16="http://schemas.microsoft.com/office/drawing/2014/main" id="{F7FBE371-85E1-42FA-561C-928BCCAE737B}"/>
+                <a16:creationId xmlns:a16="http://schemas.microsoft.com/office/drawing/2014/main" id="{99020BA7-0B4A-B7D5-629B-68C5733979CA}"/>
               </a:ext>
             </a:extLst>
           </p:cNvPr>
@@ -8061,8 +7877,8 @@
         </p:blipFill>
         <p:spPr>
           <a:xfrm>
-            <a:off x="899999" y="3492959"/>
-            <a:ext cx="7817277" cy="3299684"/>
+            <a:off x="0" y="3537662"/>
+            <a:ext cx="8107680" cy="3411961"/>
           </a:xfrm>
           <a:prstGeom prst="rect">
             <a:avLst/>
@@ -8193,10 +8009,10 @@
       </p:sp>
       <p:pic>
         <p:nvPicPr>
-          <p:cNvPr id="12" name="Picture 11">
+          <p:cNvPr id="7" name="Picture 6">
             <a:extLst>
               <a:ext uri="{FF2B5EF4-FFF2-40B4-BE49-F238E27FC236}">
-                <a16:creationId xmlns:a16="http://schemas.microsoft.com/office/drawing/2014/main" id="{C2087F45-4B80-E987-F486-30DFBEAF9562}"/>
+                <a16:creationId xmlns:a16="http://schemas.microsoft.com/office/drawing/2014/main" id="{641CD9F4-2B8A-DC99-F5A6-FB1AAE995F6C}"/>
               </a:ext>
             </a:extLst>
           </p:cNvPr>
@@ -8213,8 +8029,8 @@
         </p:blipFill>
         <p:spPr>
           <a:xfrm>
-            <a:off x="4197787" y="193275"/>
-            <a:ext cx="7828474" cy="3299684"/>
+            <a:off x="3627197" y="0"/>
+            <a:ext cx="8564803" cy="3571226"/>
           </a:xfrm>
           <a:prstGeom prst="rect">
             <a:avLst/>
@@ -8223,10 +8039,10 @@
       </p:pic>
       <p:pic>
         <p:nvPicPr>
-          <p:cNvPr id="14" name="Picture 13">
+          <p:cNvPr id="11" name="Picture 10">
             <a:extLst>
               <a:ext uri="{FF2B5EF4-FFF2-40B4-BE49-F238E27FC236}">
-                <a16:creationId xmlns:a16="http://schemas.microsoft.com/office/drawing/2014/main" id="{F7FBE371-85E1-42FA-561C-928BCCAE737B}"/>
+                <a16:creationId xmlns:a16="http://schemas.microsoft.com/office/drawing/2014/main" id="{5F0DB326-0C87-0506-2B2E-20042516D47E}"/>
               </a:ext>
             </a:extLst>
           </p:cNvPr>
@@ -8243,68 +8059,8 @@
         </p:blipFill>
         <p:spPr>
           <a:xfrm>
-            <a:off x="899999" y="3492959"/>
-            <a:ext cx="7817277" cy="3299684"/>
-          </a:xfrm>
-          <a:prstGeom prst="rect">
-            <a:avLst/>
-          </a:prstGeom>
-        </p:spPr>
-      </p:pic>
-      <p:pic>
-        <p:nvPicPr>
-          <p:cNvPr id="5" name="Picture 4">
-            <a:extLst>
-              <a:ext uri="{FF2B5EF4-FFF2-40B4-BE49-F238E27FC236}">
-                <a16:creationId xmlns:a16="http://schemas.microsoft.com/office/drawing/2014/main" id="{D26337CF-BF6D-BADD-3623-295643FB3FC2}"/>
-              </a:ext>
-            </a:extLst>
-          </p:cNvPr>
-          <p:cNvPicPr>
-            <a:picLocks noChangeAspect="1"/>
-          </p:cNvPicPr>
-          <p:nvPr/>
-        </p:nvPicPr>
-        <p:blipFill>
-          <a:blip r:embed="rId4"/>
-          <a:stretch>
-            <a:fillRect/>
-          </a:stretch>
-        </p:blipFill>
-        <p:spPr>
-          <a:xfrm>
-            <a:off x="4197785" y="193276"/>
-            <a:ext cx="7828475" cy="3319730"/>
-          </a:xfrm>
-          <a:prstGeom prst="rect">
-            <a:avLst/>
-          </a:prstGeom>
-        </p:spPr>
-      </p:pic>
-      <p:pic>
-        <p:nvPicPr>
-          <p:cNvPr id="8" name="Picture 7">
-            <a:extLst>
-              <a:ext uri="{FF2B5EF4-FFF2-40B4-BE49-F238E27FC236}">
-                <a16:creationId xmlns:a16="http://schemas.microsoft.com/office/drawing/2014/main" id="{57A971D4-647A-483B-4702-E516CC500916}"/>
-              </a:ext>
-            </a:extLst>
-          </p:cNvPr>
-          <p:cNvPicPr>
-            <a:picLocks noChangeAspect="1"/>
-          </p:cNvPicPr>
-          <p:nvPr/>
-        </p:nvPicPr>
-        <p:blipFill>
-          <a:blip r:embed="rId5"/>
-          <a:stretch>
-            <a:fillRect/>
-          </a:stretch>
-        </p:blipFill>
-        <p:spPr>
-          <a:xfrm>
-            <a:off x="899999" y="3472913"/>
-            <a:ext cx="7817277" cy="3319730"/>
+            <a:off x="1" y="3571226"/>
+            <a:ext cx="7876031" cy="3286773"/>
           </a:xfrm>
           <a:prstGeom prst="rect">
             <a:avLst/>

--- a/Jasper Files/Presentations/2023 November presentation.pptx
+++ b/Jasper Files/Presentations/2023 November presentation.pptx
@@ -15,8 +15,8 @@
     <p:sldId id="261" r:id="rId3"/>
     <p:sldId id="275" r:id="rId4"/>
     <p:sldId id="276" r:id="rId5"/>
-    <p:sldId id="292" r:id="rId6"/>
-    <p:sldId id="277" r:id="rId7"/>
+    <p:sldId id="277" r:id="rId6"/>
+    <p:sldId id="292" r:id="rId7"/>
     <p:sldId id="289" r:id="rId8"/>
     <p:sldId id="288" r:id="rId9"/>
     <p:sldId id="283" r:id="rId10"/>
@@ -222,7 +222,7 @@
           <a:p>
             <a:fld id="{8F591CCF-F6FD-734B-854A-5BC033593B1E}" type="datetimeFigureOut">
               <a:rPr lang="nl-NL" smtClean="0"/>
-              <a:t>11-12-2023</a:t>
+              <a:t>14-12-2023</a:t>
             </a:fld>
             <a:endParaRPr lang="nl-NL"/>
           </a:p>
@@ -387,7 +387,7 @@
           <a:p>
             <a:fld id="{23C66214-DB21-4647-B5DA-0D17CA592867}" type="datetimeFigureOut">
               <a:rPr lang="nl-NL" smtClean="0"/>
-              <a:t>11-12-2023</a:t>
+              <a:t>14-12-2023</a:t>
             </a:fld>
             <a:endParaRPr lang="nl-NL"/>
           </a:p>
@@ -990,7 +990,7 @@
     </p:spTree>
     <p:extLst>
       <p:ext uri="{BB962C8B-B14F-4D97-AF65-F5344CB8AC3E}">
-        <p14:creationId xmlns:p14="http://schemas.microsoft.com/office/powerpoint/2010/main" val="1609928219"/>
+        <p14:creationId xmlns:p14="http://schemas.microsoft.com/office/powerpoint/2010/main" val="2382472361"/>
       </p:ext>
     </p:extLst>
   </p:cSld>
@@ -1074,7 +1074,7 @@
     </p:spTree>
     <p:extLst>
       <p:ext uri="{BB962C8B-B14F-4D97-AF65-F5344CB8AC3E}">
-        <p14:creationId xmlns:p14="http://schemas.microsoft.com/office/powerpoint/2010/main" val="2382472361"/>
+        <p14:creationId xmlns:p14="http://schemas.microsoft.com/office/powerpoint/2010/main" val="1609928219"/>
       </p:ext>
     </p:extLst>
   </p:cSld>
@@ -2282,7 +2282,7 @@
           <a:p>
             <a:fld id="{E4F61F44-893E-4F7F-BADF-A5F524D73BC2}" type="datetime1">
               <a:rPr lang="nl-BE" smtClean="0"/>
-              <a:t>11/12/2023</a:t>
+              <a:t>14/12/2023</a:t>
             </a:fld>
             <a:endParaRPr lang="nl-NL"/>
           </a:p>
@@ -2566,7 +2566,7 @@
           <a:p>
             <a:fld id="{6E723544-E738-4425-87D5-331AB5332869}" type="datetime1">
               <a:rPr lang="nl-BE" smtClean="0"/>
-              <a:t>11/12/2023</a:t>
+              <a:t>14/12/2023</a:t>
             </a:fld>
             <a:endParaRPr lang="nl-NL"/>
           </a:p>
@@ -2897,7 +2897,7 @@
           <a:p>
             <a:fld id="{434BF39D-E7F8-4E42-8744-FB2C72A81DA6}" type="datetime1">
               <a:rPr lang="nl-BE" smtClean="0"/>
-              <a:t>11/12/2023</a:t>
+              <a:t>14/12/2023</a:t>
             </a:fld>
             <a:endParaRPr lang="nl-NL"/>
           </a:p>
@@ -3218,7 +3218,7 @@
           <a:p>
             <a:fld id="{BD4500A5-46FC-4EC5-8F2C-C380D4E5A268}" type="datetime1">
               <a:rPr lang="nl-BE" smtClean="0"/>
-              <a:t>11/12/2023</a:t>
+              <a:t>14/12/2023</a:t>
             </a:fld>
             <a:endParaRPr lang="nl-NL" dirty="0"/>
           </a:p>
@@ -3540,7 +3540,7 @@
           <a:p>
             <a:fld id="{14CE7F8C-B9D2-4149-87B2-80953F7F09E1}" type="datetime1">
               <a:rPr lang="nl-BE" smtClean="0"/>
-              <a:t>11/12/2023</a:t>
+              <a:t>14/12/2023</a:t>
             </a:fld>
             <a:endParaRPr lang="nl-NL" dirty="0"/>
           </a:p>
@@ -3683,7 +3683,7 @@
           <a:p>
             <a:fld id="{67ADE489-251F-4688-A491-3F7A0B06554F}" type="datetime1">
               <a:rPr lang="nl-BE" smtClean="0"/>
-              <a:t>11/12/2023</a:t>
+              <a:t>14/12/2023</a:t>
             </a:fld>
             <a:endParaRPr lang="nl-NL"/>
           </a:p>
@@ -4168,7 +4168,7 @@
           <a:p>
             <a:fld id="{ACBB421E-243D-4C33-83C7-F4F36278532E}" type="datetime1">
               <a:rPr lang="nl-BE" smtClean="0"/>
-              <a:t>11/12/2023</a:t>
+              <a:t>14/12/2023</a:t>
             </a:fld>
             <a:endParaRPr lang="nl-NL" dirty="0"/>
           </a:p>
@@ -4290,7 +4290,7 @@
           <a:p>
             <a:fld id="{4CCC814D-44AA-4A84-A762-33A2C2E8474C}" type="datetime1">
               <a:rPr lang="nl-BE" smtClean="0"/>
-              <a:t>11/12/2023</a:t>
+              <a:t>14/12/2023</a:t>
             </a:fld>
             <a:endParaRPr lang="nl-NL"/>
           </a:p>
@@ -4412,7 +4412,7 @@
           <a:p>
             <a:fld id="{6E543FF9-E807-4251-94B8-EC6F45F70271}" type="datetime1">
               <a:rPr lang="nl-BE" smtClean="0"/>
-              <a:t>11/12/2023</a:t>
+              <a:t>14/12/2023</a:t>
             </a:fld>
             <a:endParaRPr lang="nl-NL"/>
           </a:p>
@@ -4595,7 +4595,7 @@
           <a:p>
             <a:fld id="{F89D940D-F13E-46A3-8182-03C3BDDE959F}" type="datetime1">
               <a:rPr lang="nl-BE" smtClean="0"/>
-              <a:t>11/12/2023</a:t>
+              <a:t>14/12/2023</a:t>
             </a:fld>
             <a:endParaRPr lang="nl-NL" dirty="0"/>
           </a:p>
@@ -4880,7 +4880,7 @@
           <a:p>
             <a:fld id="{E7557D33-DAFF-4435-8960-E822FF6727AE}" type="datetime1">
               <a:rPr lang="nl-BE" smtClean="0"/>
-              <a:t>11/12/2023</a:t>
+              <a:t>14/12/2023</a:t>
             </a:fld>
             <a:endParaRPr lang="nl-NL" dirty="0"/>
           </a:p>
@@ -5521,7 +5521,7 @@
           <a:p>
             <a:fld id="{B522B1A5-B970-4E51-AB3E-5CE4834A67CB}" type="datetime1">
               <a:rPr lang="nl-BE" smtClean="0"/>
-              <a:t>11/12/2023</a:t>
+              <a:t>14/12/2023</a:t>
             </a:fld>
             <a:endParaRPr lang="nl-NL" dirty="0"/>
           </a:p>
@@ -6282,12 +6282,14 @@
         </p:nvSpPr>
         <p:spPr/>
         <p:txBody>
-          <a:bodyPr/>
+          <a:bodyPr>
+            <a:normAutofit lnSpcReduction="10000"/>
+          </a:bodyPr>
           <a:lstStyle/>
           <a:p>
             <a:r>
               <a:rPr lang="en-GB" dirty="0"/>
-              <a:t>Consistency between security policies through layers</a:t>
+              <a:t>Consistency between network security rules through cluster and cloud layers</a:t>
             </a:r>
           </a:p>
           <a:p>
@@ -7507,14 +7509,13 @@
         </p:nvPicPr>
         <p:blipFill>
           <a:blip r:embed="rId3"/>
-          <a:stretch>
-            <a:fillRect/>
-          </a:stretch>
+          <a:srcRect/>
+          <a:stretch/>
         </p:blipFill>
         <p:spPr>
           <a:xfrm>
-            <a:off x="0" y="3497346"/>
-            <a:ext cx="7985760" cy="3360653"/>
+            <a:off x="0" y="3499854"/>
+            <a:ext cx="7985760" cy="3355637"/>
           </a:xfrm>
           <a:prstGeom prst="rect">
             <a:avLst/>
@@ -8000,7 +8001,7 @@
           <a:lstStyle/>
           <a:p>
             <a:r>
-              <a:rPr lang="en-GB" dirty="0"/>
+              <a:rPr lang="en-GB"/>
               <a:t>Results (4/4)</a:t>
             </a:r>
             <a:endParaRPr lang="nl-BE" dirty="0"/>
@@ -8053,14 +8054,13 @@
         </p:nvPicPr>
         <p:blipFill>
           <a:blip r:embed="rId3"/>
-          <a:stretch>
-            <a:fillRect/>
-          </a:stretch>
+          <a:srcRect/>
+          <a:stretch/>
         </p:blipFill>
         <p:spPr>
           <a:xfrm>
-            <a:off x="1" y="3571226"/>
-            <a:ext cx="7876031" cy="3286773"/>
+            <a:off x="1" y="3573327"/>
+            <a:ext cx="7876031" cy="3282570"/>
           </a:xfrm>
           <a:prstGeom prst="rect">
             <a:avLst/>
@@ -9112,7 +9112,7 @@
           <a:p>
             <a:r>
               <a:rPr lang="en-GB" dirty="0"/>
-              <a:t>Kubernetes: Why and how?</a:t>
+              <a:t>Kubernetes: What, why and how?</a:t>
             </a:r>
           </a:p>
         </p:txBody>
@@ -9186,6 +9186,314 @@
       </p:grpSpPr>
       <p:sp>
         <p:nvSpPr>
+          <p:cNvPr id="2" name="Footer Placeholder 1">
+            <a:extLst>
+              <a:ext uri="{FF2B5EF4-FFF2-40B4-BE49-F238E27FC236}">
+                <a16:creationId xmlns:a16="http://schemas.microsoft.com/office/drawing/2014/main" id="{CE0AA4A3-0C1E-558A-A713-8B733BA05A9F}"/>
+              </a:ext>
+            </a:extLst>
+          </p:cNvPr>
+          <p:cNvSpPr>
+            <a:spLocks noGrp="1"/>
+          </p:cNvSpPr>
+          <p:nvPr>
+            <p:ph type="ftr" sz="quarter" idx="11"/>
+          </p:nvPr>
+        </p:nvSpPr>
+        <p:spPr/>
+        <p:txBody>
+          <a:bodyPr/>
+          <a:lstStyle/>
+          <a:p>
+            <a:r>
+              <a:rPr lang="en-US" dirty="0"/>
+              <a:t>Dep. Computer Science, </a:t>
+            </a:r>
+            <a:r>
+              <a:rPr lang="en-US" dirty="0" err="1"/>
+              <a:t>DistriNet</a:t>
+            </a:r>
+            <a:endParaRPr lang="nl-NL" dirty="0"/>
+          </a:p>
+        </p:txBody>
+      </p:sp>
+      <p:sp>
+        <p:nvSpPr>
+          <p:cNvPr id="3" name="Slide Number Placeholder 2">
+            <a:extLst>
+              <a:ext uri="{FF2B5EF4-FFF2-40B4-BE49-F238E27FC236}">
+                <a16:creationId xmlns:a16="http://schemas.microsoft.com/office/drawing/2014/main" id="{543F7073-E00F-089C-68B5-206D645B8458}"/>
+              </a:ext>
+            </a:extLst>
+          </p:cNvPr>
+          <p:cNvSpPr>
+            <a:spLocks noGrp="1"/>
+          </p:cNvSpPr>
+          <p:nvPr>
+            <p:ph type="sldNum" sz="quarter" idx="12"/>
+          </p:nvPr>
+        </p:nvSpPr>
+        <p:spPr/>
+        <p:txBody>
+          <a:bodyPr/>
+          <a:lstStyle/>
+          <a:p>
+            <a:fld id="{0A297500-7527-634B-90F4-69D0994C32B4}" type="slidenum">
+              <a:rPr lang="nl-NL" smtClean="0"/>
+              <a:t>4</a:t>
+            </a:fld>
+            <a:endParaRPr lang="nl-NL"/>
+          </a:p>
+        </p:txBody>
+      </p:sp>
+      <p:sp>
+        <p:nvSpPr>
+          <p:cNvPr id="4" name="Content Placeholder 3">
+            <a:extLst>
+              <a:ext uri="{FF2B5EF4-FFF2-40B4-BE49-F238E27FC236}">
+                <a16:creationId xmlns:a16="http://schemas.microsoft.com/office/drawing/2014/main" id="{7001F6D0-CFCD-80ED-6945-DE55ECCFC39F}"/>
+              </a:ext>
+            </a:extLst>
+          </p:cNvPr>
+          <p:cNvSpPr>
+            <a:spLocks noGrp="1"/>
+          </p:cNvSpPr>
+          <p:nvPr>
+            <p:ph idx="1"/>
+          </p:nvPr>
+        </p:nvSpPr>
+        <p:spPr>
+          <a:xfrm>
+            <a:off x="575999" y="1359036"/>
+            <a:ext cx="5579267" cy="4760964"/>
+          </a:xfrm>
+        </p:spPr>
+        <p:txBody>
+          <a:bodyPr>
+            <a:normAutofit fontScale="92500" lnSpcReduction="20000"/>
+          </a:bodyPr>
+          <a:lstStyle/>
+          <a:p>
+            <a:r>
+              <a:rPr lang="en-GB" dirty="0"/>
+              <a:t>Code layer: Defensive programming</a:t>
+            </a:r>
+            <a:br>
+              <a:rPr lang="en-GB" dirty="0"/>
+            </a:br>
+            <a:endParaRPr lang="en-GB" dirty="0"/>
+          </a:p>
+          <a:p>
+            <a:r>
+              <a:rPr lang="en-GB" dirty="0"/>
+              <a:t>Container layer: OCI guidelines [3]</a:t>
+            </a:r>
+            <a:br>
+              <a:rPr lang="en-GB" dirty="0"/>
+            </a:br>
+            <a:endParaRPr lang="en-GB" dirty="0"/>
+          </a:p>
+          <a:p>
+            <a:r>
+              <a:rPr lang="en-GB" dirty="0"/>
+              <a:t>Cluster layer: Application manager deploys containers and pods</a:t>
+            </a:r>
+          </a:p>
+          <a:p>
+            <a:pPr lvl="1">
+              <a:buFont typeface="Wingdings" panose="05000000000000000000" pitchFamily="2" charset="2"/>
+              <a:buChar char="§"/>
+            </a:pPr>
+            <a:r>
+              <a:rPr lang="en-GB" dirty="0"/>
+              <a:t>Policies between containers, e.g. K8s network policies</a:t>
+            </a:r>
+            <a:br>
+              <a:rPr lang="en-GB" dirty="0"/>
+            </a:br>
+            <a:endParaRPr lang="en-GB" dirty="0"/>
+          </a:p>
+          <a:p>
+            <a:r>
+              <a:rPr lang="en-GB" dirty="0"/>
+              <a:t>Cloud layer: Cloud manager Manages VMs</a:t>
+            </a:r>
+          </a:p>
+          <a:p>
+            <a:pPr lvl="1">
+              <a:buFont typeface="Wingdings" panose="05000000000000000000" pitchFamily="2" charset="2"/>
+              <a:buChar char="§"/>
+            </a:pPr>
+            <a:r>
+              <a:rPr lang="en-GB" dirty="0"/>
+              <a:t>Policies between VMs, e.g. </a:t>
+            </a:r>
+            <a:r>
+              <a:rPr lang="en-GB" dirty="0" err="1"/>
+              <a:t>Openstack</a:t>
+            </a:r>
+            <a:r>
+              <a:rPr lang="en-GB" dirty="0"/>
+              <a:t> Security Group rules</a:t>
+            </a:r>
+            <a:br>
+              <a:rPr lang="en-GB" dirty="0"/>
+            </a:br>
+            <a:endParaRPr lang="en-GB" dirty="0"/>
+          </a:p>
+          <a:p>
+            <a:pPr>
+              <a:buFont typeface="Arial" panose="020B0604020202020204" pitchFamily="34" charset="0"/>
+              <a:buChar char="•"/>
+            </a:pPr>
+            <a:r>
+              <a:rPr lang="en-GB" b="1" i="1" dirty="0"/>
+              <a:t>‘Multiple truths’ problem</a:t>
+            </a:r>
+          </a:p>
+          <a:p>
+            <a:pPr marL="457200" lvl="1" indent="0">
+              <a:buNone/>
+            </a:pPr>
+            <a:endParaRPr lang="en-GB" dirty="0"/>
+          </a:p>
+        </p:txBody>
+      </p:sp>
+      <p:sp>
+        <p:nvSpPr>
+          <p:cNvPr id="6" name="Title 5">
+            <a:extLst>
+              <a:ext uri="{FF2B5EF4-FFF2-40B4-BE49-F238E27FC236}">
+                <a16:creationId xmlns:a16="http://schemas.microsoft.com/office/drawing/2014/main" id="{1A7C28C1-4DA0-F0E9-6FE4-9A76D014AAF3}"/>
+              </a:ext>
+            </a:extLst>
+          </p:cNvPr>
+          <p:cNvSpPr>
+            <a:spLocks noGrp="1"/>
+          </p:cNvSpPr>
+          <p:nvPr>
+            <p:ph type="title"/>
+          </p:nvPr>
+        </p:nvSpPr>
+        <p:spPr/>
+        <p:txBody>
+          <a:bodyPr/>
+          <a:lstStyle/>
+          <a:p>
+            <a:r>
+              <a:rPr lang="en-GB" dirty="0"/>
+              <a:t>The 4 C’s of Kubernetes security</a:t>
+            </a:r>
+          </a:p>
+        </p:txBody>
+      </p:sp>
+      <p:pic>
+        <p:nvPicPr>
+          <p:cNvPr id="7" name="Content Placeholder 6" descr="Table&#10;&#10;Description automatically generated with medium confidence">
+            <a:extLst>
+              <a:ext uri="{FF2B5EF4-FFF2-40B4-BE49-F238E27FC236}">
+                <a16:creationId xmlns:a16="http://schemas.microsoft.com/office/drawing/2014/main" id="{612F1239-1844-594B-D049-1FEF1D9F696A}"/>
+              </a:ext>
+            </a:extLst>
+          </p:cNvPr>
+          <p:cNvPicPr>
+            <a:picLocks noGrp="1" noChangeAspect="1"/>
+          </p:cNvPicPr>
+          <p:nvPr>
+            <p:ph sz="quarter" idx="13"/>
+          </p:nvPr>
+        </p:nvPicPr>
+        <p:blipFill>
+          <a:blip r:embed="rId3" cstate="print">
+            <a:extLst>
+              <a:ext uri="{28A0092B-C50C-407E-A947-70E740481C1C}">
+                <a14:useLocalDpi xmlns:a14="http://schemas.microsoft.com/office/drawing/2010/main" val="0"/>
+              </a:ext>
+            </a:extLst>
+          </a:blip>
+          <a:stretch>
+            <a:fillRect/>
+          </a:stretch>
+        </p:blipFill>
+        <p:spPr>
+          <a:xfrm>
+            <a:off x="6216002" y="1655823"/>
+            <a:ext cx="5825067" cy="3359573"/>
+          </a:xfrm>
+          <a:prstGeom prst="rect">
+            <a:avLst/>
+          </a:prstGeom>
+        </p:spPr>
+      </p:pic>
+      <p:sp>
+        <p:nvSpPr>
+          <p:cNvPr id="10" name="TextBox 9">
+            <a:extLst>
+              <a:ext uri="{FF2B5EF4-FFF2-40B4-BE49-F238E27FC236}">
+                <a16:creationId xmlns:a16="http://schemas.microsoft.com/office/drawing/2014/main" id="{6BBA2DF1-E8BA-E6E0-9342-91EDE52377C6}"/>
+              </a:ext>
+            </a:extLst>
+          </p:cNvPr>
+          <p:cNvSpPr txBox="1"/>
+          <p:nvPr/>
+        </p:nvSpPr>
+        <p:spPr>
+          <a:xfrm>
+            <a:off x="6565445" y="4843786"/>
+            <a:ext cx="5325966" cy="307777"/>
+          </a:xfrm>
+          <a:prstGeom prst="rect">
+            <a:avLst/>
+          </a:prstGeom>
+          <a:noFill/>
+        </p:spPr>
+        <p:txBody>
+          <a:bodyPr wrap="square">
+            <a:spAutoFit/>
+          </a:bodyPr>
+          <a:lstStyle/>
+          <a:p>
+            <a:pPr algn="ctr"/>
+            <a:r>
+              <a:rPr lang="en-GB" sz="1400" i="1" dirty="0"/>
+              <a:t>4 C’s of Kubernetes [2]</a:t>
+            </a:r>
+            <a:endParaRPr lang="nl-BE" sz="1400" i="1" dirty="0"/>
+          </a:p>
+        </p:txBody>
+      </p:sp>
+    </p:spTree>
+    <p:extLst>
+      <p:ext uri="{BB962C8B-B14F-4D97-AF65-F5344CB8AC3E}">
+        <p14:creationId xmlns:p14="http://schemas.microsoft.com/office/powerpoint/2010/main" val="2123940897"/>
+      </p:ext>
+    </p:extLst>
+  </p:cSld>
+  <p:clrMapOvr>
+    <a:masterClrMapping/>
+  </p:clrMapOvr>
+</p:sld>
+</file>
+
+<file path=ppt/slides/slide5.xml><?xml version="1.0" encoding="utf-8"?>
+<p:sld xmlns:a="http://schemas.openxmlformats.org/drawingml/2006/main" xmlns:r="http://schemas.openxmlformats.org/officeDocument/2006/relationships" xmlns:p="http://schemas.openxmlformats.org/presentationml/2006/main">
+  <p:cSld>
+    <p:spTree>
+      <p:nvGrpSpPr>
+        <p:cNvPr id="1" name=""/>
+        <p:cNvGrpSpPr/>
+        <p:nvPr/>
+      </p:nvGrpSpPr>
+      <p:grpSpPr>
+        <a:xfrm>
+          <a:off x="0" y="0"/>
+          <a:ext cx="0" cy="0"/>
+          <a:chOff x="0" y="0"/>
+          <a:chExt cx="0" cy="0"/>
+        </a:xfrm>
+      </p:grpSpPr>
+      <p:sp>
+        <p:nvSpPr>
           <p:cNvPr id="3" name="Footer Placeholder 2">
             <a:extLst>
               <a:ext uri="{FF2B5EF4-FFF2-40B4-BE49-F238E27FC236}">
@@ -9236,7 +9544,7 @@
           <a:p>
             <a:fld id="{0A297500-7527-634B-90F4-69D0994C32B4}" type="slidenum">
               <a:rPr lang="nl-NL" smtClean="0"/>
-              <a:t>4</a:t>
+              <a:t>5</a:t>
             </a:fld>
             <a:endParaRPr lang="nl-NL"/>
           </a:p>
@@ -9295,7 +9603,7 @@
         </p:blipFill>
         <p:spPr>
           <a:xfrm>
-            <a:off x="8435531" y="1597408"/>
+            <a:off x="8435531" y="1609600"/>
             <a:ext cx="3458058" cy="3924848"/>
           </a:xfrm>
         </p:spPr>
@@ -9504,314 +9812,6 @@
     <p:extLst>
       <p:ext uri="{BB962C8B-B14F-4D97-AF65-F5344CB8AC3E}">
         <p14:creationId xmlns:p14="http://schemas.microsoft.com/office/powerpoint/2010/main" val="917617166"/>
-      </p:ext>
-    </p:extLst>
-  </p:cSld>
-  <p:clrMapOvr>
-    <a:masterClrMapping/>
-  </p:clrMapOvr>
-</p:sld>
-</file>
-
-<file path=ppt/slides/slide5.xml><?xml version="1.0" encoding="utf-8"?>
-<p:sld xmlns:a="http://schemas.openxmlformats.org/drawingml/2006/main" xmlns:r="http://schemas.openxmlformats.org/officeDocument/2006/relationships" xmlns:p="http://schemas.openxmlformats.org/presentationml/2006/main">
-  <p:cSld>
-    <p:spTree>
-      <p:nvGrpSpPr>
-        <p:cNvPr id="1" name=""/>
-        <p:cNvGrpSpPr/>
-        <p:nvPr/>
-      </p:nvGrpSpPr>
-      <p:grpSpPr>
-        <a:xfrm>
-          <a:off x="0" y="0"/>
-          <a:ext cx="0" cy="0"/>
-          <a:chOff x="0" y="0"/>
-          <a:chExt cx="0" cy="0"/>
-        </a:xfrm>
-      </p:grpSpPr>
-      <p:sp>
-        <p:nvSpPr>
-          <p:cNvPr id="2" name="Footer Placeholder 1">
-            <a:extLst>
-              <a:ext uri="{FF2B5EF4-FFF2-40B4-BE49-F238E27FC236}">
-                <a16:creationId xmlns:a16="http://schemas.microsoft.com/office/drawing/2014/main" id="{CE0AA4A3-0C1E-558A-A713-8B733BA05A9F}"/>
-              </a:ext>
-            </a:extLst>
-          </p:cNvPr>
-          <p:cNvSpPr>
-            <a:spLocks noGrp="1"/>
-          </p:cNvSpPr>
-          <p:nvPr>
-            <p:ph type="ftr" sz="quarter" idx="11"/>
-          </p:nvPr>
-        </p:nvSpPr>
-        <p:spPr/>
-        <p:txBody>
-          <a:bodyPr/>
-          <a:lstStyle/>
-          <a:p>
-            <a:r>
-              <a:rPr lang="en-US" dirty="0"/>
-              <a:t>Dep. Computer Science, </a:t>
-            </a:r>
-            <a:r>
-              <a:rPr lang="en-US" dirty="0" err="1"/>
-              <a:t>DistriNet</a:t>
-            </a:r>
-            <a:endParaRPr lang="nl-NL" dirty="0"/>
-          </a:p>
-        </p:txBody>
-      </p:sp>
-      <p:sp>
-        <p:nvSpPr>
-          <p:cNvPr id="3" name="Slide Number Placeholder 2">
-            <a:extLst>
-              <a:ext uri="{FF2B5EF4-FFF2-40B4-BE49-F238E27FC236}">
-                <a16:creationId xmlns:a16="http://schemas.microsoft.com/office/drawing/2014/main" id="{543F7073-E00F-089C-68B5-206D645B8458}"/>
-              </a:ext>
-            </a:extLst>
-          </p:cNvPr>
-          <p:cNvSpPr>
-            <a:spLocks noGrp="1"/>
-          </p:cNvSpPr>
-          <p:nvPr>
-            <p:ph type="sldNum" sz="quarter" idx="12"/>
-          </p:nvPr>
-        </p:nvSpPr>
-        <p:spPr/>
-        <p:txBody>
-          <a:bodyPr/>
-          <a:lstStyle/>
-          <a:p>
-            <a:fld id="{0A297500-7527-634B-90F4-69D0994C32B4}" type="slidenum">
-              <a:rPr lang="nl-NL" smtClean="0"/>
-              <a:t>5</a:t>
-            </a:fld>
-            <a:endParaRPr lang="nl-NL"/>
-          </a:p>
-        </p:txBody>
-      </p:sp>
-      <p:sp>
-        <p:nvSpPr>
-          <p:cNvPr id="4" name="Content Placeholder 3">
-            <a:extLst>
-              <a:ext uri="{FF2B5EF4-FFF2-40B4-BE49-F238E27FC236}">
-                <a16:creationId xmlns:a16="http://schemas.microsoft.com/office/drawing/2014/main" id="{7001F6D0-CFCD-80ED-6945-DE55ECCFC39F}"/>
-              </a:ext>
-            </a:extLst>
-          </p:cNvPr>
-          <p:cNvSpPr>
-            <a:spLocks noGrp="1"/>
-          </p:cNvSpPr>
-          <p:nvPr>
-            <p:ph idx="1"/>
-          </p:nvPr>
-        </p:nvSpPr>
-        <p:spPr>
-          <a:xfrm>
-            <a:off x="575999" y="1359036"/>
-            <a:ext cx="5579267" cy="4760964"/>
-          </a:xfrm>
-        </p:spPr>
-        <p:txBody>
-          <a:bodyPr>
-            <a:normAutofit fontScale="92500" lnSpcReduction="20000"/>
-          </a:bodyPr>
-          <a:lstStyle/>
-          <a:p>
-            <a:r>
-              <a:rPr lang="en-GB" dirty="0"/>
-              <a:t>Code layer: Defensive programming</a:t>
-            </a:r>
-            <a:br>
-              <a:rPr lang="en-GB" dirty="0"/>
-            </a:br>
-            <a:endParaRPr lang="en-GB" dirty="0"/>
-          </a:p>
-          <a:p>
-            <a:r>
-              <a:rPr lang="en-GB" dirty="0"/>
-              <a:t>Container layer: OCI guidelines [3]</a:t>
-            </a:r>
-            <a:br>
-              <a:rPr lang="en-GB" dirty="0"/>
-            </a:br>
-            <a:endParaRPr lang="en-GB" dirty="0"/>
-          </a:p>
-          <a:p>
-            <a:r>
-              <a:rPr lang="en-GB" dirty="0"/>
-              <a:t>Cluster layer: Application manager deploys containers and pods</a:t>
-            </a:r>
-          </a:p>
-          <a:p>
-            <a:pPr lvl="1">
-              <a:buFont typeface="Wingdings" panose="05000000000000000000" pitchFamily="2" charset="2"/>
-              <a:buChar char="§"/>
-            </a:pPr>
-            <a:r>
-              <a:rPr lang="en-GB" dirty="0"/>
-              <a:t>Policies between containers, e.g. K8s network policies</a:t>
-            </a:r>
-            <a:br>
-              <a:rPr lang="en-GB" dirty="0"/>
-            </a:br>
-            <a:endParaRPr lang="en-GB" dirty="0"/>
-          </a:p>
-          <a:p>
-            <a:r>
-              <a:rPr lang="en-GB" dirty="0"/>
-              <a:t>Cloud layer: Cloud manager Manages VMs</a:t>
-            </a:r>
-          </a:p>
-          <a:p>
-            <a:pPr lvl="1">
-              <a:buFont typeface="Wingdings" panose="05000000000000000000" pitchFamily="2" charset="2"/>
-              <a:buChar char="§"/>
-            </a:pPr>
-            <a:r>
-              <a:rPr lang="en-GB" dirty="0"/>
-              <a:t>Policies between VMs, e.g. </a:t>
-            </a:r>
-            <a:r>
-              <a:rPr lang="en-GB" dirty="0" err="1"/>
-              <a:t>Openstack</a:t>
-            </a:r>
-            <a:r>
-              <a:rPr lang="en-GB" dirty="0"/>
-              <a:t> Security Group rules</a:t>
-            </a:r>
-            <a:br>
-              <a:rPr lang="en-GB" dirty="0"/>
-            </a:br>
-            <a:endParaRPr lang="en-GB" dirty="0"/>
-          </a:p>
-          <a:p>
-            <a:pPr>
-              <a:buFont typeface="Arial" panose="020B0604020202020204" pitchFamily="34" charset="0"/>
-              <a:buChar char="•"/>
-            </a:pPr>
-            <a:r>
-              <a:rPr lang="en-GB" b="1" i="1" dirty="0"/>
-              <a:t>‘Multiple truths’ problem</a:t>
-            </a:r>
-          </a:p>
-          <a:p>
-            <a:pPr marL="457200" lvl="1" indent="0">
-              <a:buNone/>
-            </a:pPr>
-            <a:endParaRPr lang="en-GB" dirty="0"/>
-          </a:p>
-        </p:txBody>
-      </p:sp>
-      <p:sp>
-        <p:nvSpPr>
-          <p:cNvPr id="6" name="Title 5">
-            <a:extLst>
-              <a:ext uri="{FF2B5EF4-FFF2-40B4-BE49-F238E27FC236}">
-                <a16:creationId xmlns:a16="http://schemas.microsoft.com/office/drawing/2014/main" id="{1A7C28C1-4DA0-F0E9-6FE4-9A76D014AAF3}"/>
-              </a:ext>
-            </a:extLst>
-          </p:cNvPr>
-          <p:cNvSpPr>
-            <a:spLocks noGrp="1"/>
-          </p:cNvSpPr>
-          <p:nvPr>
-            <p:ph type="title"/>
-          </p:nvPr>
-        </p:nvSpPr>
-        <p:spPr/>
-        <p:txBody>
-          <a:bodyPr/>
-          <a:lstStyle/>
-          <a:p>
-            <a:r>
-              <a:rPr lang="en-GB" dirty="0"/>
-              <a:t>The 4 C’s of Kubernetes security</a:t>
-            </a:r>
-          </a:p>
-        </p:txBody>
-      </p:sp>
-      <p:pic>
-        <p:nvPicPr>
-          <p:cNvPr id="7" name="Content Placeholder 6" descr="Table&#10;&#10;Description automatically generated with medium confidence">
-            <a:extLst>
-              <a:ext uri="{FF2B5EF4-FFF2-40B4-BE49-F238E27FC236}">
-                <a16:creationId xmlns:a16="http://schemas.microsoft.com/office/drawing/2014/main" id="{612F1239-1844-594B-D049-1FEF1D9F696A}"/>
-              </a:ext>
-            </a:extLst>
-          </p:cNvPr>
-          <p:cNvPicPr>
-            <a:picLocks noGrp="1" noChangeAspect="1"/>
-          </p:cNvPicPr>
-          <p:nvPr>
-            <p:ph sz="quarter" idx="13"/>
-          </p:nvPr>
-        </p:nvPicPr>
-        <p:blipFill>
-          <a:blip r:embed="rId3" cstate="print">
-            <a:extLst>
-              <a:ext uri="{28A0092B-C50C-407E-A947-70E740481C1C}">
-                <a14:useLocalDpi xmlns:a14="http://schemas.microsoft.com/office/drawing/2010/main" val="0"/>
-              </a:ext>
-            </a:extLst>
-          </a:blip>
-          <a:stretch>
-            <a:fillRect/>
-          </a:stretch>
-        </p:blipFill>
-        <p:spPr>
-          <a:xfrm>
-            <a:off x="6216002" y="1655823"/>
-            <a:ext cx="5825067" cy="3359573"/>
-          </a:xfrm>
-          <a:prstGeom prst="rect">
-            <a:avLst/>
-          </a:prstGeom>
-        </p:spPr>
-      </p:pic>
-      <p:sp>
-        <p:nvSpPr>
-          <p:cNvPr id="10" name="TextBox 9">
-            <a:extLst>
-              <a:ext uri="{FF2B5EF4-FFF2-40B4-BE49-F238E27FC236}">
-                <a16:creationId xmlns:a16="http://schemas.microsoft.com/office/drawing/2014/main" id="{6BBA2DF1-E8BA-E6E0-9342-91EDE52377C6}"/>
-              </a:ext>
-            </a:extLst>
-          </p:cNvPr>
-          <p:cNvSpPr txBox="1"/>
-          <p:nvPr/>
-        </p:nvSpPr>
-        <p:spPr>
-          <a:xfrm>
-            <a:off x="6565445" y="4843786"/>
-            <a:ext cx="5325966" cy="307777"/>
-          </a:xfrm>
-          <a:prstGeom prst="rect">
-            <a:avLst/>
-          </a:prstGeom>
-          <a:noFill/>
-        </p:spPr>
-        <p:txBody>
-          <a:bodyPr wrap="square">
-            <a:spAutoFit/>
-          </a:bodyPr>
-          <a:lstStyle/>
-          <a:p>
-            <a:pPr algn="ctr"/>
-            <a:r>
-              <a:rPr lang="en-GB" sz="1400" i="1" dirty="0"/>
-              <a:t>4 C’s of Kubernetes [2]</a:t>
-            </a:r>
-            <a:endParaRPr lang="nl-BE" sz="1400" i="1" dirty="0"/>
-          </a:p>
-        </p:txBody>
-      </p:sp>
-    </p:spTree>
-    <p:extLst>
-      <p:ext uri="{BB962C8B-B14F-4D97-AF65-F5344CB8AC3E}">
-        <p14:creationId xmlns:p14="http://schemas.microsoft.com/office/powerpoint/2010/main" val="2123940897"/>
       </p:ext>
     </p:extLst>
   </p:cSld>
@@ -10696,7 +10696,7 @@
           <a:p>
             <a:r>
               <a:rPr lang="en-GB" dirty="0"/>
-              <a:t>Limited to Container level of 4 C’s</a:t>
+              <a:t>Limited to Cluster level of 4 C’s</a:t>
             </a:r>
           </a:p>
         </p:txBody>
